--- a/docs/diagrams/StudentModelComponentClassDiagram.pptx
+++ b/docs/diagrams/StudentModelComponentClassDiagram.pptx
@@ -109,7 +109,7 @@
   </p:defaultTextStyle>
   <p:extLst>
     <p:ext uri="{EFAFB233-063F-42B5-8137-9DF3F51BA10A}">
-      <p15:sldGuideLst xmlns:p15="http://schemas.microsoft.com/office/powerpoint/2012/main" xmlns="">
+      <p15:sldGuideLst xmlns="" xmlns:p15="http://schemas.microsoft.com/office/powerpoint/2012/main">
         <p15:guide id="1" orient="horz" pos="1488">
           <p15:clr>
             <a:srgbClr val="A4A3A4"/>
@@ -3511,8 +3511,8 @@
         </p:nvSpPr>
         <p:spPr>
           <a:xfrm rot="16200000">
-            <a:off x="1275027" y="3387618"/>
-            <a:ext cx="1150948" cy="346760"/>
+            <a:off x="1203106" y="3179093"/>
+            <a:ext cx="1294789" cy="346760"/>
           </a:xfrm>
           <a:prstGeom prst="rect">
             <a:avLst/>
@@ -3567,20 +3567,17 @@
           <p:cNvPr id="107" name="Elbow Connector 106"/>
           <p:cNvCxnSpPr>
             <a:cxnSpLocks/>
-            <a:stCxn id="9" idx="1"/>
             <a:endCxn id="62" idx="2"/>
           </p:cNvCxnSpPr>
           <p:nvPr/>
         </p:nvCxnSpPr>
         <p:spPr>
-          <a:xfrm rot="5400000" flipH="1" flipV="1">
-            <a:off x="3773642" y="1600209"/>
-            <a:ext cx="613122" cy="4459404"/>
-          </a:xfrm>
-          <a:prstGeom prst="bentConnector3">
-            <a:avLst>
-              <a:gd name="adj1" fmla="val -28376"/>
-            </a:avLst>
+          <a:xfrm flipV="1">
+            <a:off x="2023881" y="3523350"/>
+            <a:ext cx="4286024" cy="376574"/>
+          </a:xfrm>
+          <a:prstGeom prst="bentConnector2">
+            <a:avLst/>
           </a:prstGeom>
           <a:ln w="19050">
             <a:solidFill>
@@ -4728,7 +4725,7 @@
         </p:nvSpPr>
         <p:spPr>
           <a:xfrm>
-            <a:off x="903057" y="2316874"/>
+            <a:off x="4334785" y="2316070"/>
             <a:ext cx="1443661" cy="364396"/>
           </a:xfrm>
           <a:prstGeom prst="rect">
@@ -4798,8 +4795,8 @@
           <p:nvPr/>
         </p:nvSpPr>
         <p:spPr>
-          <a:xfrm rot="16200000">
-            <a:off x="6005021" y="3904829"/>
+          <a:xfrm>
+            <a:off x="3744358" y="3684314"/>
             <a:ext cx="881018" cy="261610"/>
           </a:xfrm>
           <a:prstGeom prst="rect">
@@ -4991,7 +4988,7 @@
           <p:cNvPr id="52" name="Rectangle 8">
             <a:extLst>
               <a:ext uri="{FF2B5EF4-FFF2-40B4-BE49-F238E27FC236}">
-                <a16:creationId xmlns:a16="http://schemas.microsoft.com/office/drawing/2014/main" xmlns="" id="{ABDCDBD2-131A-4B66-A2F2-43BBEE82C773}"/>
+                <a16:creationId xmlns="" xmlns:a16="http://schemas.microsoft.com/office/drawing/2014/main" id="{ABDCDBD2-131A-4B66-A2F2-43BBEE82C773}"/>
               </a:ext>
             </a:extLst>
           </p:cNvPr>
@@ -5053,7 +5050,7 @@
           <p:cNvPr id="53" name="Elbow Connector 78">
             <a:extLst>
               <a:ext uri="{FF2B5EF4-FFF2-40B4-BE49-F238E27FC236}">
-                <a16:creationId xmlns:a16="http://schemas.microsoft.com/office/drawing/2014/main" xmlns="" id="{B97967F8-618A-448B-81FD-CDFD4AF0EC64}"/>
+                <a16:creationId xmlns="" xmlns:a16="http://schemas.microsoft.com/office/drawing/2014/main" id="{B97967F8-618A-448B-81FD-CDFD4AF0EC64}"/>
               </a:ext>
             </a:extLst>
           </p:cNvPr>
@@ -5103,7 +5100,7 @@
           <p:cNvPr id="50" name="TextBox 49">
             <a:extLst>
               <a:ext uri="{FF2B5EF4-FFF2-40B4-BE49-F238E27FC236}">
-                <a16:creationId xmlns:a16="http://schemas.microsoft.com/office/drawing/2014/main" xmlns="" id="{B3FA9D57-880F-49C4-AD0B-A64E30D6F403}"/>
+                <a16:creationId xmlns="" xmlns:a16="http://schemas.microsoft.com/office/drawing/2014/main" id="{B3FA9D57-880F-49C4-AD0B-A64E30D6F403}"/>
               </a:ext>
             </a:extLst>
           </p:cNvPr>
@@ -5247,8 +5244,8 @@
           <p:nvPr/>
         </p:nvSpPr>
         <p:spPr>
-          <a:xfrm rot="16200000">
-            <a:off x="2311208" y="2387682"/>
+          <a:xfrm rot="5400000">
+            <a:off x="4108398" y="2419502"/>
             <a:ext cx="271014" cy="187417"/>
           </a:xfrm>
           <a:prstGeom prst="triangle">
@@ -5297,19 +5294,17 @@
           <p:cNvPr id="69" name="Elbow Connector 63"/>
           <p:cNvCxnSpPr>
             <a:stCxn id="68" idx="3"/>
-            <a:endCxn id="55" idx="1"/>
+            <a:endCxn id="55" idx="3"/>
           </p:cNvCxnSpPr>
           <p:nvPr/>
         </p:nvCxnSpPr>
         <p:spPr>
-          <a:xfrm>
-            <a:off x="2540424" y="2496251"/>
-            <a:ext cx="271892" cy="2821"/>
-          </a:xfrm>
-          <a:prstGeom prst="bentConnector3">
-            <a:avLst>
-              <a:gd name="adj1" fmla="val 50000"/>
-            </a:avLst>
+          <a:xfrm flipH="1">
+            <a:off x="3872999" y="2498351"/>
+            <a:ext cx="277198" cy="721"/>
+          </a:xfrm>
+          <a:prstGeom prst="straightConnector1">
+            <a:avLst/>
           </a:prstGeom>
           <a:ln w="19050">
             <a:solidFill>
